--- a/Documents/CRAP_human-resources-management.pptx
+++ b/Documents/CRAP_human-resources-management.pptx
@@ -3006,14 +3006,14 @@
             <p:ph idx="1"/>
             <p:extLst>
               <p:ext uri="{D42A27DB-BD31-4B8C-83A1-F6EECF244321}">
-                <p14:modId xmlns:p14="http://schemas.microsoft.com/office/powerpoint/2010/main" val="4076226958"/>
+                <p14:modId xmlns:p14="http://schemas.microsoft.com/office/powerpoint/2010/main" val="4251927562"/>
               </p:ext>
             </p:extLst>
           </p:nvPr>
         </p:nvGraphicFramePr>
         <p:xfrm>
-          <a:off x="838200" y="1825625"/>
-          <a:ext cx="10515599" cy="4083468"/>
+          <a:off x="838200" y="2005701"/>
+          <a:ext cx="10515600" cy="2722312"/>
         </p:xfrm>
         <a:graphic>
           <a:graphicData uri="http://schemas.openxmlformats.org/drawingml/2006/table">
@@ -3022,16 +3022,11 @@
                 <a:tableStyleId>{5C22544A-7EE6-4342-B048-85BDC9FD1C3A}</a:tableStyleId>
               </a:tblPr>
               <a:tblGrid>
-                <a:gridCol w="1962679"/>
-                <a:gridCol w="855292"/>
-                <a:gridCol w="855292"/>
-                <a:gridCol w="855292"/>
-                <a:gridCol w="855292"/>
-                <a:gridCol w="855292"/>
-                <a:gridCol w="855292"/>
-                <a:gridCol w="1710584"/>
-                <a:gridCol w="855292"/>
-                <a:gridCol w="855292"/>
+                <a:gridCol w="2343976"/>
+                <a:gridCol w="2042906"/>
+                <a:gridCol w="2042906"/>
+                <a:gridCol w="2042906"/>
+                <a:gridCol w="2042906"/>
               </a:tblGrid>
               <a:tr h="680578">
                 <a:tc>
@@ -3041,88 +3036,10 @@
                     <a:p>
                       <a:pPr algn="ctr"/>
                       <a:r>
-                        <a:rPr lang="de-DE" dirty="0" smtClean="0"/>
-                        <a:t>Person</a:t>
+                        <a:rPr lang="de-DE" sz="1800" dirty="0" smtClean="0"/>
+                        <a:t>Martin (CEO)</a:t>
                       </a:r>
-                      <a:endParaRPr lang="de-DE" dirty="0"/>
-                    </a:p>
-                  </a:txBody>
-                  <a:tcPr anchor="ctr"/>
-                </a:tc>
-                <a:tc gridSpan="2">
-                  <a:txBody>
-                    <a:bodyPr/>
-                    <a:lstStyle/>
-                    <a:p>
-                      <a:pPr algn="ctr"/>
-                      <a:r>
-                        <a:rPr lang="de-DE" dirty="0" err="1" smtClean="0"/>
-                        <a:t>Tuesday</a:t>
-                      </a:r>
-                      <a:endParaRPr lang="de-DE" dirty="0"/>
-                    </a:p>
-                  </a:txBody>
-                  <a:tcPr anchor="ctr"/>
-                </a:tc>
-                <a:tc hMerge="1">
-                  <a:txBody>
-                    <a:bodyPr/>
-                    <a:lstStyle/>
-                    <a:p>
-                      <a:pPr algn="ctr"/>
-                      <a:endParaRPr lang="de-DE" dirty="0"/>
-                    </a:p>
-                  </a:txBody>
-                  <a:tcPr anchor="ctr"/>
-                </a:tc>
-                <a:tc gridSpan="2">
-                  <a:txBody>
-                    <a:bodyPr/>
-                    <a:lstStyle/>
-                    <a:p>
-                      <a:pPr algn="ctr"/>
-                      <a:r>
-                        <a:rPr lang="de-DE" dirty="0" err="1" smtClean="0"/>
-                        <a:t>Wednesday</a:t>
-                      </a:r>
-                      <a:endParaRPr lang="de-DE" dirty="0"/>
-                    </a:p>
-                  </a:txBody>
-                  <a:tcPr anchor="ctr"/>
-                </a:tc>
-                <a:tc hMerge="1">
-                  <a:txBody>
-                    <a:bodyPr/>
-                    <a:lstStyle/>
-                    <a:p>
-                      <a:pPr algn="ctr"/>
-                      <a:endParaRPr lang="de-DE" dirty="0"/>
-                    </a:p>
-                  </a:txBody>
-                  <a:tcPr anchor="ctr"/>
-                </a:tc>
-                <a:tc gridSpan="2">
-                  <a:txBody>
-                    <a:bodyPr/>
-                    <a:lstStyle/>
-                    <a:p>
-                      <a:pPr algn="ctr"/>
-                      <a:r>
-                        <a:rPr lang="de-DE" dirty="0" err="1" smtClean="0"/>
-                        <a:t>Thursday</a:t>
-                      </a:r>
-                      <a:endParaRPr lang="de-DE" dirty="0"/>
-                    </a:p>
-                  </a:txBody>
-                  <a:tcPr anchor="ctr"/>
-                </a:tc>
-                <a:tc hMerge="1">
-                  <a:txBody>
-                    <a:bodyPr/>
-                    <a:lstStyle/>
-                    <a:p>
-                      <a:pPr algn="ctr"/>
-                      <a:endParaRPr lang="de-DE" dirty="0"/>
+                      <a:endParaRPr lang="de-DE" sz="1800" dirty="0"/>
                     </a:p>
                   </a:txBody>
                   <a:tcPr anchor="ctr"/>
@@ -3134,36 +3051,55 @@
                     <a:p>
                       <a:pPr algn="ctr"/>
                       <a:r>
-                        <a:rPr lang="de-DE" dirty="0" err="1" smtClean="0"/>
-                        <a:t>Friday</a:t>
+                        <a:rPr lang="de-DE" sz="1800" dirty="0" smtClean="0"/>
+                        <a:t>Florian (CTO)</a:t>
                       </a:r>
-                      <a:endParaRPr lang="de-DE" dirty="0"/>
+                      <a:endParaRPr lang="de-DE" sz="1800" dirty="0"/>
                     </a:p>
                   </a:txBody>
                   <a:tcPr anchor="ctr"/>
                 </a:tc>
-                <a:tc gridSpan="2">
+                <a:tc>
                   <a:txBody>
                     <a:bodyPr/>
                     <a:lstStyle/>
                     <a:p>
                       <a:pPr algn="ctr"/>
                       <a:r>
-                        <a:rPr lang="de-DE" dirty="0" err="1" smtClean="0"/>
-                        <a:t>Monday</a:t>
+                        <a:rPr lang="de-DE" sz="1800" dirty="0" smtClean="0"/>
+                        <a:t>Christoph (SM)</a:t>
                       </a:r>
-                      <a:endParaRPr lang="de-DE" dirty="0"/>
+                      <a:endParaRPr lang="de-DE" sz="1800" dirty="0"/>
                     </a:p>
                   </a:txBody>
                   <a:tcPr anchor="ctr"/>
                 </a:tc>
-                <a:tc hMerge="1">
+                <a:tc>
                   <a:txBody>
                     <a:bodyPr/>
                     <a:lstStyle/>
                     <a:p>
                       <a:pPr algn="ctr"/>
-                      <a:endParaRPr lang="de-DE" dirty="0"/>
+                      <a:r>
+                        <a:rPr lang="de-DE" sz="1800" dirty="0" smtClean="0"/>
+                        <a:t>Caroline (PM)</a:t>
+                      </a:r>
+                      <a:endParaRPr lang="de-DE" sz="1800" dirty="0"/>
+                    </a:p>
+                  </a:txBody>
+                  <a:tcPr anchor="ctr"/>
+                </a:tc>
+                <a:tc>
+                  <a:txBody>
+                    <a:bodyPr/>
+                    <a:lstStyle/>
+                    <a:p>
+                      <a:pPr algn="ctr"/>
+                      <a:r>
+                        <a:rPr lang="de-DE" sz="1800" dirty="0" smtClean="0"/>
+                        <a:t>Felix (DM)</a:t>
+                      </a:r>
+                      <a:endParaRPr lang="de-DE" sz="1800" dirty="0"/>
                     </a:p>
                   </a:txBody>
                   <a:tcPr anchor="ctr"/>
@@ -3177,10 +3113,10 @@
                     <a:p>
                       <a:pPr algn="ctr"/>
                       <a:r>
-                        <a:rPr lang="de-DE" sz="1400" dirty="0" smtClean="0"/>
-                        <a:t>Martin (CEO)</a:t>
+                        <a:rPr lang="de-DE" sz="1800" dirty="0" err="1" smtClean="0"/>
+                        <a:t>Testing</a:t>
                       </a:r>
-                      <a:endParaRPr lang="de-DE" sz="1400" dirty="0"/>
+                      <a:endParaRPr lang="de-DE" sz="1800" dirty="0"/>
                     </a:p>
                   </a:txBody>
                   <a:tcPr anchor="ctr"/>
@@ -3192,10 +3128,10 @@
                     <a:p>
                       <a:pPr algn="ctr"/>
                       <a:r>
-                        <a:rPr lang="de-DE" sz="1400" dirty="0" err="1" smtClean="0"/>
-                        <a:t>Lecture</a:t>
+                        <a:rPr lang="de-DE" sz="1800" smtClean="0"/>
+                        <a:t>Testing</a:t>
                       </a:r>
-                      <a:endParaRPr lang="de-DE" sz="1400" dirty="0"/>
+                      <a:endParaRPr lang="de-DE" sz="1800" dirty="0"/>
                     </a:p>
                   </a:txBody>
                   <a:tcPr anchor="ctr"/>
@@ -3207,10 +3143,10 @@
                     <a:p>
                       <a:pPr algn="ctr"/>
                       <a:r>
-                        <a:rPr lang="de-DE" sz="1400" dirty="0" smtClean="0"/>
-                        <a:t>RFP</a:t>
+                        <a:rPr lang="de-DE" sz="1800" smtClean="0"/>
+                        <a:t>Testing</a:t>
                       </a:r>
-                      <a:endParaRPr lang="de-DE" sz="1400" dirty="0"/>
+                      <a:endParaRPr lang="de-DE" sz="1800" dirty="0"/>
                     </a:p>
                   </a:txBody>
                   <a:tcPr anchor="ctr"/>
@@ -3222,10 +3158,10 @@
                     <a:p>
                       <a:pPr algn="ctr"/>
                       <a:r>
-                        <a:rPr lang="de-DE" sz="1400" dirty="0" err="1" smtClean="0"/>
-                        <a:t>Lecture</a:t>
+                        <a:rPr lang="de-DE" sz="1800" smtClean="0"/>
+                        <a:t>Testing</a:t>
                       </a:r>
-                      <a:endParaRPr lang="de-DE" sz="1400" dirty="0"/>
+                      <a:endParaRPr lang="de-DE" sz="1800" dirty="0"/>
                     </a:p>
                   </a:txBody>
                   <a:tcPr anchor="ctr"/>
@@ -3237,104 +3173,10 @@
                     <a:p>
                       <a:pPr algn="ctr"/>
                       <a:r>
-                        <a:rPr lang="de-DE" sz="1400" dirty="0" smtClean="0"/>
-                        <a:t>PM </a:t>
+                        <a:rPr lang="de-DE" sz="1800" dirty="0" err="1" smtClean="0"/>
+                        <a:t>Testing</a:t>
                       </a:r>
-                      <a:r>
-                        <a:rPr lang="de-DE" sz="1400" dirty="0" err="1" smtClean="0"/>
-                        <a:t>Planning</a:t>
-                      </a:r>
-                      <a:endParaRPr lang="de-DE" sz="1400" dirty="0"/>
-                    </a:p>
-                  </a:txBody>
-                  <a:tcPr anchor="ctr"/>
-                </a:tc>
-                <a:tc>
-                  <a:txBody>
-                    <a:bodyPr/>
-                    <a:lstStyle/>
-                    <a:p>
-                      <a:pPr algn="ctr"/>
-                      <a:r>
-                        <a:rPr lang="de-DE" sz="1400" dirty="0" err="1" smtClean="0"/>
-                        <a:t>Presentation</a:t>
-                      </a:r>
-                      <a:endParaRPr lang="de-DE" sz="1400" dirty="0"/>
-                    </a:p>
-                  </a:txBody>
-                  <a:tcPr anchor="ctr"/>
-                </a:tc>
-                <a:tc>
-                  <a:txBody>
-                    <a:bodyPr/>
-                    <a:lstStyle/>
-                    <a:p>
-                      <a:pPr algn="ctr"/>
-                      <a:r>
-                        <a:rPr lang="de-DE" sz="1400" dirty="0" smtClean="0"/>
-                        <a:t>Implementation</a:t>
-                      </a:r>
-                      <a:endParaRPr lang="de-DE" sz="1400" dirty="0"/>
-                    </a:p>
-                  </a:txBody>
-                  <a:tcPr anchor="ctr"/>
-                </a:tc>
-                <a:tc>
-                  <a:txBody>
-                    <a:bodyPr/>
-                    <a:lstStyle/>
-                    <a:p>
-                      <a:pPr algn="ctr"/>
-                      <a:r>
-                        <a:rPr lang="de-DE" sz="1400" dirty="0" smtClean="0"/>
-                        <a:t>Implementation</a:t>
-                      </a:r>
-                      <a:endParaRPr lang="de-DE" sz="1400" dirty="0"/>
-                    </a:p>
-                  </a:txBody>
-                  <a:tcPr anchor="ctr"/>
-                </a:tc>
-                <a:tc>
-                  <a:txBody>
-                    <a:bodyPr/>
-                    <a:lstStyle/>
-                    <a:p>
-                      <a:pPr marL="0" marR="0" lvl="0" indent="0" algn="ctr" defTabSz="914400" rtl="0" eaLnBrk="1" fontAlgn="auto" latinLnBrk="0" hangingPunct="1">
-                        <a:lnSpc>
-                          <a:spcPct val="100000"/>
-                        </a:lnSpc>
-                        <a:spcBef>
-                          <a:spcPts val="0"/>
-                        </a:spcBef>
-                        <a:spcAft>
-                          <a:spcPts val="0"/>
-                        </a:spcAft>
-                        <a:buClrTx/>
-                        <a:buSzTx/>
-                        <a:buFontTx/>
-                        <a:buNone/>
-                        <a:tabLst/>
-                        <a:defRPr/>
-                      </a:pPr>
-                      <a:r>
-                        <a:rPr lang="de-DE" sz="1400" dirty="0" smtClean="0"/>
-                        <a:t>Implementation</a:t>
-                      </a:r>
-                    </a:p>
-                  </a:txBody>
-                  <a:tcPr anchor="ctr"/>
-                </a:tc>
-                <a:tc>
-                  <a:txBody>
-                    <a:bodyPr/>
-                    <a:lstStyle/>
-                    <a:p>
-                      <a:pPr algn="ctr"/>
-                      <a:r>
-                        <a:rPr lang="de-DE" sz="1400" smtClean="0"/>
-                        <a:t>Presentation</a:t>
-                      </a:r>
-                      <a:endParaRPr lang="de-DE" sz="1400" dirty="0"/>
+                      <a:endParaRPr lang="de-DE" sz="1800" dirty="0"/>
                     </a:p>
                   </a:txBody>
                   <a:tcPr anchor="ctr"/>
@@ -3348,10 +3190,14 @@
                     <a:p>
                       <a:pPr algn="ctr"/>
                       <a:r>
-                        <a:rPr lang="de-DE" sz="1400" dirty="0" smtClean="0"/>
-                        <a:t>Florian (CTO)</a:t>
+                        <a:rPr lang="de-DE" sz="1800" dirty="0" smtClean="0"/>
+                        <a:t>User </a:t>
                       </a:r>
-                      <a:endParaRPr lang="de-DE" sz="1400" dirty="0"/>
+                      <a:r>
+                        <a:rPr lang="de-DE" sz="1800" dirty="0" err="1" smtClean="0"/>
+                        <a:t>management</a:t>
+                      </a:r>
+                      <a:endParaRPr lang="de-DE" sz="1800" dirty="0"/>
                     </a:p>
                   </a:txBody>
                   <a:tcPr anchor="ctr"/>
@@ -3363,10 +3209,14 @@
                     <a:p>
                       <a:pPr algn="ctr"/>
                       <a:r>
-                        <a:rPr lang="en-GB" sz="1400" noProof="0" dirty="0" smtClean="0"/>
-                        <a:t>Lecture</a:t>
+                        <a:rPr lang="de-DE" sz="1800" dirty="0" smtClean="0"/>
+                        <a:t>User </a:t>
                       </a:r>
-                      <a:endParaRPr lang="en-GB" sz="1400" noProof="0" dirty="0"/>
+                      <a:r>
+                        <a:rPr lang="de-DE" sz="1800" smtClean="0"/>
+                        <a:t>interface</a:t>
+                      </a:r>
+                      <a:endParaRPr lang="de-DE" sz="1800" dirty="0"/>
                     </a:p>
                   </a:txBody>
                   <a:tcPr anchor="ctr"/>
@@ -3378,10 +3228,10 @@
                     <a:p>
                       <a:pPr algn="ctr"/>
                       <a:r>
-                        <a:rPr lang="de-DE" sz="1400" dirty="0" smtClean="0"/>
-                        <a:t>RFP</a:t>
+                        <a:rPr lang="de-DE" sz="1800" dirty="0" smtClean="0"/>
+                        <a:t>Authentication</a:t>
                       </a:r>
-                      <a:endParaRPr lang="de-DE" sz="1400" dirty="0"/>
+                      <a:endParaRPr lang="de-DE" sz="1800" dirty="0"/>
                     </a:p>
                   </a:txBody>
                   <a:tcPr anchor="ctr"/>
@@ -3393,10 +3243,18 @@
                     <a:p>
                       <a:pPr algn="ctr"/>
                       <a:r>
-                        <a:rPr lang="en-GB" sz="1400" noProof="0" dirty="0" smtClean="0"/>
-                        <a:t>Lecture</a:t>
+                        <a:rPr lang="de-DE" sz="1800" dirty="0" err="1" smtClean="0"/>
+                        <a:t>Invoice</a:t>
                       </a:r>
-                      <a:endParaRPr lang="en-GB" sz="1400" noProof="0" dirty="0"/>
+                      <a:r>
+                        <a:rPr lang="de-DE" sz="1800" dirty="0" smtClean="0"/>
+                        <a:t> </a:t>
+                      </a:r>
+                      <a:r>
+                        <a:rPr lang="de-DE" sz="1800" dirty="0" err="1" smtClean="0"/>
+                        <a:t>service</a:t>
+                      </a:r>
+                      <a:endParaRPr lang="de-DE" sz="1800" dirty="0"/>
                     </a:p>
                   </a:txBody>
                   <a:tcPr anchor="ctr"/>
@@ -3408,89 +3266,14 @@
                     <a:p>
                       <a:pPr algn="ctr"/>
                       <a:r>
-                        <a:rPr lang="de-DE" sz="1400" dirty="0" smtClean="0"/>
-                        <a:t>PM </a:t>
+                        <a:rPr lang="de-DE" sz="1800" dirty="0" smtClean="0"/>
+                        <a:t>Data </a:t>
                       </a:r>
                       <a:r>
-                        <a:rPr lang="de-DE" sz="1400" dirty="0" err="1" smtClean="0"/>
-                        <a:t>Planning</a:t>
+                        <a:rPr lang="de-DE" sz="1800" dirty="0" err="1" smtClean="0"/>
+                        <a:t>storage</a:t>
                       </a:r>
-                      <a:endParaRPr lang="de-DE" sz="1400" dirty="0"/>
-                    </a:p>
-                  </a:txBody>
-                  <a:tcPr anchor="ctr"/>
-                </a:tc>
-                <a:tc>
-                  <a:txBody>
-                    <a:bodyPr/>
-                    <a:lstStyle/>
-                    <a:p>
-                      <a:pPr algn="ctr"/>
-                      <a:r>
-                        <a:rPr lang="de-DE" sz="1400" smtClean="0"/>
-                        <a:t>Presentation</a:t>
-                      </a:r>
-                      <a:endParaRPr lang="de-DE" sz="1400" dirty="0"/>
-                    </a:p>
-                  </a:txBody>
-                  <a:tcPr anchor="ctr"/>
-                </a:tc>
-                <a:tc>
-                  <a:txBody>
-                    <a:bodyPr/>
-                    <a:lstStyle/>
-                    <a:p>
-                      <a:pPr algn="ctr"/>
-                      <a:r>
-                        <a:rPr lang="de-DE" sz="1400" smtClean="0"/>
-                        <a:t>Implementation</a:t>
-                      </a:r>
-                      <a:endParaRPr lang="de-DE" sz="1400" dirty="0"/>
-                    </a:p>
-                  </a:txBody>
-                  <a:tcPr anchor="ctr"/>
-                </a:tc>
-                <a:tc>
-                  <a:txBody>
-                    <a:bodyPr/>
-                    <a:lstStyle/>
-                    <a:p>
-                      <a:pPr algn="ctr"/>
-                      <a:r>
-                        <a:rPr lang="de-DE" sz="1400" dirty="0" smtClean="0"/>
-                        <a:t>Implementation</a:t>
-                      </a:r>
-                      <a:endParaRPr lang="de-DE" sz="1400" dirty="0"/>
-                    </a:p>
-                  </a:txBody>
-                  <a:tcPr anchor="ctr"/>
-                </a:tc>
-                <a:tc>
-                  <a:txBody>
-                    <a:bodyPr/>
-                    <a:lstStyle/>
-                    <a:p>
-                      <a:pPr algn="ctr"/>
-                      <a:r>
-                        <a:rPr lang="de-DE" sz="1400" smtClean="0"/>
-                        <a:t>Implementation</a:t>
-                      </a:r>
-                      <a:endParaRPr lang="de-DE" sz="1400" dirty="0"/>
-                    </a:p>
-                  </a:txBody>
-                  <a:tcPr anchor="ctr"/>
-                </a:tc>
-                <a:tc>
-                  <a:txBody>
-                    <a:bodyPr/>
-                    <a:lstStyle/>
-                    <a:p>
-                      <a:pPr algn="ctr"/>
-                      <a:r>
-                        <a:rPr lang="de-DE" sz="1400" smtClean="0"/>
-                        <a:t>Presentation</a:t>
-                      </a:r>
-                      <a:endParaRPr lang="de-DE" sz="1400" dirty="0"/>
+                      <a:endParaRPr lang="de-DE" sz="1800" dirty="0"/>
                     </a:p>
                   </a:txBody>
                   <a:tcPr anchor="ctr"/>
@@ -3503,11 +3286,7 @@
                     <a:lstStyle/>
                     <a:p>
                       <a:pPr algn="ctr"/>
-                      <a:r>
-                        <a:rPr lang="de-DE" sz="1400" dirty="0" smtClean="0"/>
-                        <a:t>Christoph (SM)</a:t>
-                      </a:r>
-                      <a:endParaRPr lang="de-DE" sz="1400" dirty="0"/>
+                      <a:endParaRPr lang="de-DE" sz="1800" dirty="0"/>
                     </a:p>
                   </a:txBody>
                   <a:tcPr anchor="ctr"/>
@@ -3519,10 +3298,25 @@
                     <a:p>
                       <a:pPr algn="ctr"/>
                       <a:r>
-                        <a:rPr lang="de-DE" sz="1400" dirty="0" err="1" smtClean="0"/>
-                        <a:t>Lecture</a:t>
+                        <a:rPr lang="de-DE" sz="1800" dirty="0" smtClean="0"/>
+                        <a:t>Session </a:t>
                       </a:r>
-                      <a:endParaRPr lang="de-DE" sz="1400" dirty="0"/>
+                      <a:r>
+                        <a:rPr lang="de-DE" sz="1800" dirty="0" err="1" smtClean="0"/>
+                        <a:t>simulation</a:t>
+                      </a:r>
+                      <a:endParaRPr lang="de-DE" sz="1800" dirty="0"/>
+                    </a:p>
+                  </a:txBody>
+                  <a:tcPr anchor="ctr"/>
+                </a:tc>
+                <a:tc>
+                  <a:txBody>
+                    <a:bodyPr/>
+                    <a:lstStyle/>
+                    <a:p>
+                      <a:pPr algn="ctr"/>
+                      <a:endParaRPr lang="de-DE" sz="1800" dirty="0"/>
                     </a:p>
                   </a:txBody>
                   <a:tcPr anchor="ctr"/>
@@ -3534,10 +3328,10 @@
                     <a:p>
                       <a:pPr algn="ctr"/>
                       <a:r>
-                        <a:rPr lang="de-DE" sz="1400" dirty="0" smtClean="0"/>
-                        <a:t>RFP</a:t>
+                        <a:rPr lang="de-DE" sz="1800" dirty="0" smtClean="0"/>
+                        <a:t>Manual</a:t>
                       </a:r>
-                      <a:endParaRPr lang="de-DE" sz="1400" dirty="0"/>
+                      <a:endParaRPr lang="de-DE" sz="1800" dirty="0"/>
                     </a:p>
                   </a:txBody>
                   <a:tcPr anchor="ctr"/>
@@ -3548,409 +3342,7 @@
                     <a:lstStyle/>
                     <a:p>
                       <a:pPr algn="ctr"/>
-                      <a:r>
-                        <a:rPr lang="de-DE" sz="1400" dirty="0" err="1" smtClean="0"/>
-                        <a:t>Lecture</a:t>
-                      </a:r>
-                      <a:endParaRPr lang="de-DE" sz="1400" dirty="0"/>
-                    </a:p>
-                  </a:txBody>
-                  <a:tcPr anchor="ctr"/>
-                </a:tc>
-                <a:tc>
-                  <a:txBody>
-                    <a:bodyPr/>
-                    <a:lstStyle/>
-                    <a:p>
-                      <a:pPr algn="ctr"/>
-                      <a:r>
-                        <a:rPr lang="de-DE" sz="1400" smtClean="0"/>
-                        <a:t>PM Planning</a:t>
-                      </a:r>
-                      <a:endParaRPr lang="de-DE" sz="1400" dirty="0"/>
-                    </a:p>
-                  </a:txBody>
-                  <a:tcPr anchor="ctr"/>
-                </a:tc>
-                <a:tc>
-                  <a:txBody>
-                    <a:bodyPr/>
-                    <a:lstStyle/>
-                    <a:p>
-                      <a:pPr algn="ctr"/>
-                      <a:r>
-                        <a:rPr lang="de-DE" sz="1400" smtClean="0"/>
-                        <a:t>Presentation</a:t>
-                      </a:r>
-                      <a:endParaRPr lang="de-DE" sz="1400" dirty="0"/>
-                    </a:p>
-                  </a:txBody>
-                  <a:tcPr anchor="ctr"/>
-                </a:tc>
-                <a:tc>
-                  <a:txBody>
-                    <a:bodyPr/>
-                    <a:lstStyle/>
-                    <a:p>
-                      <a:pPr algn="ctr"/>
-                      <a:r>
-                        <a:rPr lang="de-DE" sz="1400" smtClean="0"/>
-                        <a:t>Implementation</a:t>
-                      </a:r>
-                      <a:endParaRPr lang="de-DE" sz="1400" dirty="0"/>
-                    </a:p>
-                  </a:txBody>
-                  <a:tcPr anchor="ctr"/>
-                </a:tc>
-                <a:tc>
-                  <a:txBody>
-                    <a:bodyPr/>
-                    <a:lstStyle/>
-                    <a:p>
-                      <a:pPr algn="ctr"/>
-                      <a:r>
-                        <a:rPr lang="de-DE" sz="1400" dirty="0" smtClean="0"/>
-                        <a:t>Implementation</a:t>
-                      </a:r>
-                      <a:endParaRPr lang="de-DE" sz="1400" dirty="0"/>
-                    </a:p>
-                  </a:txBody>
-                  <a:tcPr anchor="ctr"/>
-                </a:tc>
-                <a:tc>
-                  <a:txBody>
-                    <a:bodyPr/>
-                    <a:lstStyle/>
-                    <a:p>
-                      <a:pPr algn="ctr"/>
-                      <a:r>
-                        <a:rPr lang="de-DE" sz="1400" smtClean="0"/>
-                        <a:t>Implementation</a:t>
-                      </a:r>
-                      <a:endParaRPr lang="de-DE" sz="1400" dirty="0"/>
-                    </a:p>
-                  </a:txBody>
-                  <a:tcPr anchor="ctr"/>
-                </a:tc>
-                <a:tc>
-                  <a:txBody>
-                    <a:bodyPr/>
-                    <a:lstStyle/>
-                    <a:p>
-                      <a:pPr algn="ctr"/>
-                      <a:r>
-                        <a:rPr lang="de-DE" sz="1400" smtClean="0"/>
-                        <a:t>Presentation</a:t>
-                      </a:r>
-                      <a:endParaRPr lang="de-DE" sz="1400" dirty="0"/>
-                    </a:p>
-                  </a:txBody>
-                  <a:tcPr anchor="ctr"/>
-                </a:tc>
-              </a:tr>
-              <a:tr h="680578">
-                <a:tc>
-                  <a:txBody>
-                    <a:bodyPr/>
-                    <a:lstStyle/>
-                    <a:p>
-                      <a:pPr algn="ctr"/>
-                      <a:r>
-                        <a:rPr lang="de-DE" sz="1400" dirty="0" smtClean="0"/>
-                        <a:t>Caroline (PM)</a:t>
-                      </a:r>
-                      <a:endParaRPr lang="de-DE" sz="1400" dirty="0"/>
-                    </a:p>
-                  </a:txBody>
-                  <a:tcPr anchor="ctr"/>
-                </a:tc>
-                <a:tc>
-                  <a:txBody>
-                    <a:bodyPr/>
-                    <a:lstStyle/>
-                    <a:p>
-                      <a:pPr algn="ctr"/>
-                      <a:r>
-                        <a:rPr lang="de-DE" sz="1400" dirty="0" err="1" smtClean="0"/>
-                        <a:t>Lecture</a:t>
-                      </a:r>
-                      <a:endParaRPr lang="de-DE" sz="1400" dirty="0"/>
-                    </a:p>
-                  </a:txBody>
-                  <a:tcPr anchor="ctr"/>
-                </a:tc>
-                <a:tc>
-                  <a:txBody>
-                    <a:bodyPr/>
-                    <a:lstStyle/>
-                    <a:p>
-                      <a:pPr algn="ctr"/>
-                      <a:r>
-                        <a:rPr lang="de-DE" sz="1400" dirty="0" smtClean="0"/>
-                        <a:t>RFP</a:t>
-                      </a:r>
-                      <a:endParaRPr lang="de-DE" sz="1400" dirty="0"/>
-                    </a:p>
-                  </a:txBody>
-                  <a:tcPr anchor="ctr"/>
-                </a:tc>
-                <a:tc>
-                  <a:txBody>
-                    <a:bodyPr/>
-                    <a:lstStyle/>
-                    <a:p>
-                      <a:pPr algn="ctr"/>
-                      <a:r>
-                        <a:rPr lang="de-DE" sz="1400" dirty="0" err="1" smtClean="0"/>
-                        <a:t>Lecture</a:t>
-                      </a:r>
-                      <a:endParaRPr lang="de-DE" sz="1400" dirty="0"/>
-                    </a:p>
-                  </a:txBody>
-                  <a:tcPr anchor="ctr"/>
-                </a:tc>
-                <a:tc>
-                  <a:txBody>
-                    <a:bodyPr/>
-                    <a:lstStyle/>
-                    <a:p>
-                      <a:pPr algn="ctr"/>
-                      <a:r>
-                        <a:rPr lang="de-DE" sz="1400" smtClean="0"/>
-                        <a:t>PM Planning</a:t>
-                      </a:r>
-                      <a:endParaRPr lang="de-DE" sz="1400" dirty="0"/>
-                    </a:p>
-                  </a:txBody>
-                  <a:tcPr anchor="ctr"/>
-                </a:tc>
-                <a:tc>
-                  <a:txBody>
-                    <a:bodyPr/>
-                    <a:lstStyle/>
-                    <a:p>
-                      <a:pPr algn="ctr"/>
-                      <a:r>
-                        <a:rPr lang="de-DE" sz="1400" smtClean="0"/>
-                        <a:t>Presentation</a:t>
-                      </a:r>
-                      <a:endParaRPr lang="de-DE" sz="1400" dirty="0"/>
-                    </a:p>
-                  </a:txBody>
-                  <a:tcPr anchor="ctr"/>
-                </a:tc>
-                <a:tc>
-                  <a:txBody>
-                    <a:bodyPr/>
-                    <a:lstStyle/>
-                    <a:p>
-                      <a:pPr algn="ctr"/>
-                      <a:r>
-                        <a:rPr lang="de-DE" sz="1400" smtClean="0"/>
-                        <a:t>Implementation</a:t>
-                      </a:r>
-                      <a:endParaRPr lang="de-DE" sz="1400" dirty="0"/>
-                    </a:p>
-                  </a:txBody>
-                  <a:tcPr anchor="ctr"/>
-                </a:tc>
-                <a:tc>
-                  <a:txBody>
-                    <a:bodyPr/>
-                    <a:lstStyle/>
-                    <a:p>
-                      <a:pPr algn="ctr"/>
-                      <a:r>
-                        <a:rPr lang="de-DE" sz="1400" dirty="0" smtClean="0"/>
-                        <a:t>Implementation</a:t>
-                      </a:r>
-                      <a:endParaRPr lang="de-DE" sz="1400" dirty="0"/>
-                    </a:p>
-                  </a:txBody>
-                  <a:tcPr anchor="ctr"/>
-                </a:tc>
-                <a:tc>
-                  <a:txBody>
-                    <a:bodyPr/>
-                    <a:lstStyle/>
-                    <a:p>
-                      <a:pPr algn="ctr"/>
-                      <a:r>
-                        <a:rPr lang="de-DE" sz="1400" smtClean="0"/>
-                        <a:t>Implementation</a:t>
-                      </a:r>
-                      <a:endParaRPr lang="de-DE" sz="1400" dirty="0"/>
-                    </a:p>
-                  </a:txBody>
-                  <a:tcPr anchor="ctr"/>
-                </a:tc>
-                <a:tc>
-                  <a:txBody>
-                    <a:bodyPr/>
-                    <a:lstStyle/>
-                    <a:p>
-                      <a:pPr algn="ctr"/>
-                      <a:r>
-                        <a:rPr lang="de-DE" sz="1400" smtClean="0"/>
-                        <a:t>Presentation</a:t>
-                      </a:r>
-                      <a:endParaRPr lang="de-DE" sz="1400" dirty="0"/>
-                    </a:p>
-                  </a:txBody>
-                  <a:tcPr anchor="ctr"/>
-                </a:tc>
-              </a:tr>
-              <a:tr h="680578">
-                <a:tc>
-                  <a:txBody>
-                    <a:bodyPr/>
-                    <a:lstStyle/>
-                    <a:p>
-                      <a:pPr algn="ctr"/>
-                      <a:r>
-                        <a:rPr lang="de-DE" sz="1400" dirty="0" smtClean="0"/>
-                        <a:t>Felix (DM)</a:t>
-                      </a:r>
-                      <a:endParaRPr lang="de-DE" sz="1400" dirty="0"/>
-                    </a:p>
-                  </a:txBody>
-                  <a:tcPr anchor="ctr"/>
-                </a:tc>
-                <a:tc>
-                  <a:txBody>
-                    <a:bodyPr/>
-                    <a:lstStyle/>
-                    <a:p>
-                      <a:pPr algn="ctr"/>
-                      <a:r>
-                        <a:rPr lang="de-DE" sz="1400" dirty="0" err="1" smtClean="0"/>
-                        <a:t>Lecture</a:t>
-                      </a:r>
-                      <a:endParaRPr lang="de-DE" sz="1400" dirty="0"/>
-                    </a:p>
-                  </a:txBody>
-                  <a:tcPr anchor="ctr"/>
-                </a:tc>
-                <a:tc>
-                  <a:txBody>
-                    <a:bodyPr/>
-                    <a:lstStyle/>
-                    <a:p>
-                      <a:pPr algn="ctr"/>
-                      <a:r>
-                        <a:rPr lang="de-DE" sz="1400" dirty="0" smtClean="0"/>
-                        <a:t>RFP</a:t>
-                      </a:r>
-                      <a:endParaRPr lang="de-DE" sz="1400" dirty="0"/>
-                    </a:p>
-                  </a:txBody>
-                  <a:tcPr anchor="ctr"/>
-                </a:tc>
-                <a:tc>
-                  <a:txBody>
-                    <a:bodyPr/>
-                    <a:lstStyle/>
-                    <a:p>
-                      <a:pPr algn="ctr"/>
-                      <a:r>
-                        <a:rPr lang="de-DE" sz="1400" dirty="0" err="1" smtClean="0"/>
-                        <a:t>Lecture</a:t>
-                      </a:r>
-                      <a:endParaRPr lang="de-DE" sz="1400" dirty="0"/>
-                    </a:p>
-                  </a:txBody>
-                  <a:tcPr anchor="ctr"/>
-                </a:tc>
-                <a:tc>
-                  <a:txBody>
-                    <a:bodyPr/>
-                    <a:lstStyle/>
-                    <a:p>
-                      <a:pPr algn="ctr"/>
-                      <a:r>
-                        <a:rPr lang="de-DE" sz="1400" dirty="0" smtClean="0"/>
-                        <a:t>PM </a:t>
-                      </a:r>
-                      <a:r>
-                        <a:rPr lang="de-DE" sz="1400" dirty="0" err="1" smtClean="0"/>
-                        <a:t>Planning</a:t>
-                      </a:r>
-                      <a:endParaRPr lang="de-DE" sz="1400" dirty="0"/>
-                    </a:p>
-                  </a:txBody>
-                  <a:tcPr anchor="ctr"/>
-                </a:tc>
-                <a:tc>
-                  <a:txBody>
-                    <a:bodyPr/>
-                    <a:lstStyle/>
-                    <a:p>
-                      <a:pPr algn="ctr"/>
-                      <a:r>
-                        <a:rPr lang="de-DE" sz="1400" dirty="0" err="1" smtClean="0"/>
-                        <a:t>Presentation</a:t>
-                      </a:r>
-                      <a:endParaRPr lang="de-DE" sz="1400" dirty="0"/>
-                    </a:p>
-                  </a:txBody>
-                  <a:tcPr anchor="ctr"/>
-                </a:tc>
-                <a:tc>
-                  <a:txBody>
-                    <a:bodyPr/>
-                    <a:lstStyle/>
-                    <a:p>
-                      <a:pPr algn="ctr"/>
-                      <a:r>
-                        <a:rPr lang="de-DE" sz="1400" dirty="0" smtClean="0"/>
-                        <a:t>Implementation</a:t>
-                      </a:r>
-                      <a:endParaRPr lang="de-DE" sz="1400" dirty="0"/>
-                    </a:p>
-                  </a:txBody>
-                  <a:tcPr anchor="ctr"/>
-                </a:tc>
-                <a:tc>
-                  <a:txBody>
-                    <a:bodyPr/>
-                    <a:lstStyle/>
-                    <a:p>
-                      <a:pPr algn="ctr"/>
-                      <a:r>
-                        <a:rPr lang="de-DE" sz="1400" dirty="0" smtClean="0"/>
-                        <a:t>Implementation</a:t>
-                      </a:r>
-                      <a:endParaRPr lang="de-DE" sz="1400" dirty="0"/>
-                    </a:p>
-                  </a:txBody>
-                  <a:tcPr anchor="ctr"/>
-                </a:tc>
-                <a:tc>
-                  <a:txBody>
-                    <a:bodyPr/>
-                    <a:lstStyle/>
-                    <a:p>
-                      <a:pPr algn="ctr"/>
-                      <a:r>
-                        <a:rPr lang="de-DE" sz="1400" dirty="0" smtClean="0"/>
-                        <a:t>Implementation</a:t>
-                      </a:r>
-                      <a:endParaRPr lang="de-DE" sz="1400" dirty="0"/>
-                    </a:p>
-                  </a:txBody>
-                  <a:tcPr anchor="ctr"/>
-                </a:tc>
-                <a:tc>
-                  <a:txBody>
-                    <a:bodyPr/>
-                    <a:lstStyle/>
-                    <a:p>
-                      <a:pPr algn="ctr"/>
-                      <a:r>
-                        <a:rPr lang="de-DE" sz="1400" dirty="0" err="1" smtClean="0"/>
-                        <a:t>Presentation</a:t>
-                      </a:r>
-                      <a:endParaRPr lang="de-DE" sz="1400" dirty="0"/>
+                      <a:endParaRPr lang="de-DE" sz="1800" dirty="0"/>
                     </a:p>
                   </a:txBody>
                   <a:tcPr anchor="ctr"/>
